--- a/Hackathon.pptx
+++ b/Hackathon.pptx
@@ -2968,7 +2968,7 @@
         <p:txBody>
           <a:bodyPr/>
           <a:p>
-            <a:fld id="{7EF968DD-DB7A-41BF-8798-0E05A5F6E707}" type="slidenum">
+            <a:fld id="{BC405EA5-E919-4EB5-86C1-33744F7A97CC}" type="slidenum">
               <a:t>&lt;#&gt;</a:t>
             </a:fld>
           </a:p>
@@ -3183,7 +3183,7 @@
         <p:txBody>
           <a:bodyPr/>
           <a:p>
-            <a:fld id="{3B45862B-A51A-4972-AD5C-2E44C9CB1563}" type="slidenum">
+            <a:fld id="{1F06BAA6-2916-4EB6-A41B-B3503F23EADA}" type="slidenum">
               <a:t>&lt;#&gt;</a:t>
             </a:fld>
           </a:p>
@@ -3490,7 +3490,7 @@
         <p:txBody>
           <a:bodyPr/>
           <a:p>
-            <a:fld id="{9B70E7BE-CEAB-4854-A550-A021E9A47F45}" type="slidenum">
+            <a:fld id="{64BB2651-7A1B-4DDD-9EAC-148E04FDB73B}" type="slidenum">
               <a:t>&lt;#&gt;</a:t>
             </a:fld>
           </a:p>
@@ -3889,7 +3889,7 @@
         <p:txBody>
           <a:bodyPr/>
           <a:p>
-            <a:fld id="{58C7A161-BB42-4D3A-92A1-B7D905265A37}" type="slidenum">
+            <a:fld id="{9C5F45C3-9E9A-47D0-8D86-316329A040D7}" type="slidenum">
               <a:t>&lt;#&gt;</a:t>
             </a:fld>
           </a:p>
@@ -3972,7 +3972,7 @@
         <p:txBody>
           <a:bodyPr/>
           <a:p>
-            <a:fld id="{FD229486-1256-4203-8C77-84E3B174EC2C}" type="slidenum">
+            <a:fld id="{D1A87848-D8C3-4D42-B1DB-8F43184CDE83}" type="slidenum">
               <a:t>&lt;#&gt;</a:t>
             </a:fld>
           </a:p>
@@ -4135,7 +4135,7 @@
         <p:txBody>
           <a:bodyPr/>
           <a:p>
-            <a:fld id="{3DD7BE77-03E7-4C8F-9D0F-1033986BB362}" type="slidenum">
+            <a:fld id="{917EFF6C-0870-4A34-B572-0A3774363640}" type="slidenum">
               <a:t>&lt;#&gt;</a:t>
             </a:fld>
           </a:p>
@@ -4304,7 +4304,7 @@
         <p:txBody>
           <a:bodyPr/>
           <a:p>
-            <a:fld id="{C96721C1-EBF8-4A51-9BBE-4C6606917F9D}" type="slidenum">
+            <a:fld id="{0FA9B8CA-D404-49B1-A041-06BDEF9AD9DA}" type="slidenum">
               <a:t>&lt;#&gt;</a:t>
             </a:fld>
           </a:p>
@@ -4519,7 +4519,7 @@
         <p:txBody>
           <a:bodyPr/>
           <a:p>
-            <a:fld id="{6BFF6E9E-C6FB-4130-BF52-D567CC90342C}" type="slidenum">
+            <a:fld id="{6704499F-5AA6-4539-AEB2-19678061BA29}" type="slidenum">
               <a:t>&lt;#&gt;</a:t>
             </a:fld>
           </a:p>
@@ -4642,7 +4642,7 @@
         <p:txBody>
           <a:bodyPr/>
           <a:p>
-            <a:fld id="{75488AE2-74F0-4601-912C-2EE2B453B209}" type="slidenum">
+            <a:fld id="{0F454C4C-1483-4F2A-AADB-94337934CB2A}" type="slidenum">
               <a:t>&lt;#&gt;</a:t>
             </a:fld>
           </a:p>
@@ -4763,7 +4763,7 @@
         <p:txBody>
           <a:bodyPr/>
           <a:p>
-            <a:fld id="{977D1FC1-6AA7-4C70-AE35-310BCB001365}" type="slidenum">
+            <a:fld id="{8B07A748-71BF-4199-8D51-F431417344D9}" type="slidenum">
               <a:t>&lt;#&gt;</a:t>
             </a:fld>
           </a:p>
@@ -5024,7 +5024,7 @@
         <p:txBody>
           <a:bodyPr/>
           <a:p>
-            <a:fld id="{C36BCE32-311B-4895-A32F-C37A5A5B61D5}" type="slidenum">
+            <a:fld id="{627D3D96-2310-46D5-9CBA-9A4498286438}" type="slidenum">
               <a:t>&lt;#&gt;</a:t>
             </a:fld>
           </a:p>
@@ -5187,7 +5187,7 @@
         <p:txBody>
           <a:bodyPr/>
           <a:p>
-            <a:fld id="{1D4AE873-D28D-41FB-844A-CB485A268B9E}" type="slidenum">
+            <a:fld id="{C245A2EB-3E84-4EAE-80AD-478F71678301}" type="slidenum">
               <a:t>&lt;#&gt;</a:t>
             </a:fld>
           </a:p>
@@ -5448,7 +5448,7 @@
         <p:txBody>
           <a:bodyPr/>
           <a:p>
-            <a:fld id="{77954B8A-3630-4356-BDC8-1B7F833CE2D9}" type="slidenum">
+            <a:fld id="{CE72507A-5D91-4413-AA13-89A0D0C5C42C}" type="slidenum">
               <a:t>&lt;#&gt;</a:t>
             </a:fld>
           </a:p>
@@ -5709,7 +5709,7 @@
         <p:txBody>
           <a:bodyPr/>
           <a:p>
-            <a:fld id="{CDD67CB7-261E-4A9D-83E2-7B0CED97962C}" type="slidenum">
+            <a:fld id="{CE2D3039-CBA0-4EEE-A2D9-70AEE41E36F8}" type="slidenum">
               <a:t>&lt;#&gt;</a:t>
             </a:fld>
           </a:p>
@@ -5924,7 +5924,7 @@
         <p:txBody>
           <a:bodyPr/>
           <a:p>
-            <a:fld id="{2446F20D-E31A-4C9B-8329-71451F81D2EB}" type="slidenum">
+            <a:fld id="{0E88CE36-EC7E-4FDB-B3A0-9FCFE7C7409E}" type="slidenum">
               <a:t>&lt;#&gt;</a:t>
             </a:fld>
           </a:p>
@@ -6231,7 +6231,7 @@
         <p:txBody>
           <a:bodyPr/>
           <a:p>
-            <a:fld id="{7D7A4902-5A53-46A0-85B1-304BCFD6249E}" type="slidenum">
+            <a:fld id="{80E31460-74D8-407A-828B-68CDFA485555}" type="slidenum">
               <a:t>&lt;#&gt;</a:t>
             </a:fld>
           </a:p>
@@ -6630,7 +6630,7 @@
         <p:txBody>
           <a:bodyPr/>
           <a:p>
-            <a:fld id="{87BCA9D9-EE12-45F2-BC33-390F999690F2}" type="slidenum">
+            <a:fld id="{53B110E8-2D9C-4D73-98CE-3B57411FBD09}" type="slidenum">
               <a:t>&lt;#&gt;</a:t>
             </a:fld>
           </a:p>
@@ -6713,7 +6713,7 @@
         <p:txBody>
           <a:bodyPr/>
           <a:p>
-            <a:fld id="{79BBA831-E763-4C36-B0AF-4941731A9A9D}" type="slidenum">
+            <a:fld id="{EEB3AB0A-1F14-4371-B61C-5DFE5C2A1ED5}" type="slidenum">
               <a:t>&lt;#&gt;</a:t>
             </a:fld>
           </a:p>
@@ -6876,7 +6876,7 @@
         <p:txBody>
           <a:bodyPr/>
           <a:p>
-            <a:fld id="{97D9B449-D4AF-4471-9BD4-C17C272C5A8C}" type="slidenum">
+            <a:fld id="{DAEBFC90-B099-4922-8883-9B17AFE6B2C7}" type="slidenum">
               <a:t>&lt;#&gt;</a:t>
             </a:fld>
           </a:p>
@@ -7045,7 +7045,7 @@
         <p:txBody>
           <a:bodyPr/>
           <a:p>
-            <a:fld id="{02901248-392C-4FCD-B9F9-561742804FA3}" type="slidenum">
+            <a:fld id="{2E966191-D657-4219-99C5-DA7E9DF1958C}" type="slidenum">
               <a:t>&lt;#&gt;</a:t>
             </a:fld>
           </a:p>
@@ -7260,7 +7260,7 @@
         <p:txBody>
           <a:bodyPr/>
           <a:p>
-            <a:fld id="{D7EDE7A4-2218-4B58-8515-EBD121B8EBEF}" type="slidenum">
+            <a:fld id="{59E702AB-3DCB-41AA-B3A3-A47D52C177F2}" type="slidenum">
               <a:t>&lt;#&gt;</a:t>
             </a:fld>
           </a:p>
@@ -7383,7 +7383,7 @@
         <p:txBody>
           <a:bodyPr/>
           <a:p>
-            <a:fld id="{961E77EB-902A-4C2D-B1CB-41D5F41B12A9}" type="slidenum">
+            <a:fld id="{71AD6E7B-6609-41C6-A509-67CE18F89B4A}" type="slidenum">
               <a:t>&lt;#&gt;</a:t>
             </a:fld>
           </a:p>
@@ -7552,7 +7552,7 @@
         <p:txBody>
           <a:bodyPr/>
           <a:p>
-            <a:fld id="{3E1498AF-17B7-47F9-B226-9C8B59428D84}" type="slidenum">
+            <a:fld id="{D9556AD5-951A-4E0F-83A2-9476A06FAAEE}" type="slidenum">
               <a:t>&lt;#&gt;</a:t>
             </a:fld>
           </a:p>
@@ -7673,7 +7673,7 @@
         <p:txBody>
           <a:bodyPr/>
           <a:p>
-            <a:fld id="{4C0DDC06-974F-4ED5-8B02-145CF0811054}" type="slidenum">
+            <a:fld id="{68DC2877-49AD-4799-A1DE-D4343100673F}" type="slidenum">
               <a:t>&lt;#&gt;</a:t>
             </a:fld>
           </a:p>
@@ -7934,7 +7934,7 @@
         <p:txBody>
           <a:bodyPr/>
           <a:p>
-            <a:fld id="{EE9F1623-A68B-4894-866C-D484DA506030}" type="slidenum">
+            <a:fld id="{B52B85C0-6E37-4032-98AC-7244D1EC9146}" type="slidenum">
               <a:t>&lt;#&gt;</a:t>
             </a:fld>
           </a:p>
@@ -8195,7 +8195,7 @@
         <p:txBody>
           <a:bodyPr/>
           <a:p>
-            <a:fld id="{FF25D51F-2BC8-4C32-BB09-0C2A2FBAA629}" type="slidenum">
+            <a:fld id="{A4ECBAA1-D2A8-464D-AAE3-EA58769778F8}" type="slidenum">
               <a:t>&lt;#&gt;</a:t>
             </a:fld>
           </a:p>
@@ -8456,7 +8456,7 @@
         <p:txBody>
           <a:bodyPr/>
           <a:p>
-            <a:fld id="{D4A6EEF5-7A90-4718-BB24-AC7AC3142E69}" type="slidenum">
+            <a:fld id="{5F5BB1AA-8E3A-4442-9650-154FB24C69D6}" type="slidenum">
               <a:t>&lt;#&gt;</a:t>
             </a:fld>
           </a:p>
@@ -8671,7 +8671,7 @@
         <p:txBody>
           <a:bodyPr/>
           <a:p>
-            <a:fld id="{9AFCC1C3-5B85-40A5-98B3-7059A3B73AFD}" type="slidenum">
+            <a:fld id="{714FB890-E534-41E9-9DE0-BE37164B407D}" type="slidenum">
               <a:t>&lt;#&gt;</a:t>
             </a:fld>
           </a:p>
@@ -8978,7 +8978,7 @@
         <p:txBody>
           <a:bodyPr/>
           <a:p>
-            <a:fld id="{9EF25875-E073-4A3C-BEBC-9C807D08ECD8}" type="slidenum">
+            <a:fld id="{6F8060D9-2827-4EBD-9A49-21D1C1C4FE43}" type="slidenum">
               <a:t>&lt;#&gt;</a:t>
             </a:fld>
           </a:p>
@@ -9377,7 +9377,7 @@
         <p:txBody>
           <a:bodyPr/>
           <a:p>
-            <a:fld id="{6A494E53-C6C3-4EDB-B464-B6A84D23D295}" type="slidenum">
+            <a:fld id="{76D90926-9264-443F-97B8-EEBEE2E7FD92}" type="slidenum">
               <a:t>&lt;#&gt;</a:t>
             </a:fld>
           </a:p>
@@ -9592,7 +9592,7 @@
         <p:txBody>
           <a:bodyPr/>
           <a:p>
-            <a:fld id="{FBA0D65B-3E33-45E9-AE58-2D802CFF056E}" type="slidenum">
+            <a:fld id="{726A0E7E-4DD6-4830-9C4D-E7A6E88557E1}" type="slidenum">
               <a:t>&lt;#&gt;</a:t>
             </a:fld>
           </a:p>
@@ -9715,7 +9715,7 @@
         <p:txBody>
           <a:bodyPr/>
           <a:p>
-            <a:fld id="{41A0ADC5-5E06-4280-A958-1F0EDC00A1BB}" type="slidenum">
+            <a:fld id="{64D9B69A-702E-49C3-8CB3-93FB13FAF6D7}" type="slidenum">
               <a:t>&lt;#&gt;</a:t>
             </a:fld>
           </a:p>
@@ -9836,7 +9836,7 @@
         <p:txBody>
           <a:bodyPr/>
           <a:p>
-            <a:fld id="{7D02EB2B-9963-4BAC-B3A6-E72BED5C6697}" type="slidenum">
+            <a:fld id="{DAFA4AB5-3250-47E9-B735-2E82B621683E}" type="slidenum">
               <a:t>&lt;#&gt;</a:t>
             </a:fld>
           </a:p>
@@ -10097,7 +10097,7 @@
         <p:txBody>
           <a:bodyPr/>
           <a:p>
-            <a:fld id="{A1F9A932-EDDE-46C4-A082-9E0FC84C0D3B}" type="slidenum">
+            <a:fld id="{C34E08AD-B149-46AE-A33A-8ABE4D6D4CD6}" type="slidenum">
               <a:t>&lt;#&gt;</a:t>
             </a:fld>
           </a:p>
@@ -10358,7 +10358,7 @@
         <p:txBody>
           <a:bodyPr/>
           <a:p>
-            <a:fld id="{7131C22E-0258-4C45-BA92-FDD2900D83BF}" type="slidenum">
+            <a:fld id="{C4D9E0B6-6ADF-4F91-A5EC-3933A8118796}" type="slidenum">
               <a:t>&lt;#&gt;</a:t>
             </a:fld>
           </a:p>
@@ -10619,7 +10619,7 @@
         <p:txBody>
           <a:bodyPr/>
           <a:p>
-            <a:fld id="{93896633-2928-4BD7-B594-CBC7CF7DA398}" type="slidenum">
+            <a:fld id="{5C42EF1A-51D4-4EFB-9A0D-B94952E6717D}" type="slidenum">
               <a:t>&lt;#&gt;</a:t>
             </a:fld>
           </a:p>
@@ -10839,7 +10839,7 @@
                 </a:solidFill>
                 <a:latin typeface="Univers Condensed"/>
               </a:rPr>
-              <a:t>Click to edit Master </a:t>
+              <a:t>Click to edit </a:t>
             </a:r>
             <a:r>
               <a:rPr b="0" lang="en-US" sz="8000" spc="-52" strike="noStrike">
@@ -10848,7 +10848,7 @@
                 </a:solidFill>
                 <a:latin typeface="Univers Condensed"/>
               </a:rPr>
-              <a:t>title style</a:t>
+              <a:t>Master title style</a:t>
             </a:r>
             <a:endParaRPr b="0" lang="en-US" sz="8000" spc="-1" strike="noStrike">
               <a:solidFill>
@@ -11058,7 +11058,7 @@
               </a:lnSpc>
               <a:buNone/>
             </a:pPr>
-            <a:fld id="{BFC097DD-FF75-40BC-A3A9-D753381CF50B}" type="slidenum">
+            <a:fld id="{8FB52938-2A4D-4133-AF2D-EDD1792EF31D}" type="slidenum">
               <a:rPr b="0" lang="en-US" sz="800" spc="-1" strike="noStrike">
                 <a:solidFill>
                   <a:srgbClr val="ffffff"/>
@@ -11311,7 +11311,16 @@
                 </a:solidFill>
                 <a:latin typeface="Univers"/>
               </a:rPr>
-              <a:t>Seventh Outline Level</a:t>
+              <a:t>Seventh Outline </a:t>
+            </a:r>
+            <a:r>
+              <a:rPr b="0" lang="en-US" sz="2000" spc="-1" strike="noStrike">
+                <a:solidFill>
+                  <a:srgbClr val="404040"/>
+                </a:solidFill>
+                <a:latin typeface="Univers"/>
+              </a:rPr>
+              <a:t>Level</a:t>
             </a:r>
             <a:endParaRPr b="0" lang="en-US" sz="2000" spc="-1" strike="noStrike">
               <a:solidFill>
@@ -11860,7 +11869,7 @@
               </a:lnSpc>
               <a:buNone/>
             </a:pPr>
-            <a:fld id="{8588B097-3591-41CD-A286-2C7E3D97D36E}" type="slidenum">
+            <a:fld id="{DD6027F7-880F-43F4-B861-E4B9C5B03E73}" type="slidenum">
               <a:rPr b="0" lang="en-US" sz="800" spc="-1" strike="noStrike">
                 <a:solidFill>
                   <a:srgbClr val="ffffff"/>
@@ -12219,7 +12228,7 @@
               </a:lnSpc>
               <a:buNone/>
             </a:pPr>
-            <a:fld id="{849851A1-1533-4802-97D7-6E5BEDA17E49}" type="slidenum">
+            <a:fld id="{5068B068-94E4-4B29-BF6B-B5249CDAFF5A}" type="slidenum">
               <a:rPr b="0" lang="en-US" sz="800" spc="-1" strike="noStrike">
                 <a:solidFill>
                   <a:srgbClr val="ffffff"/>
@@ -12840,7 +12849,7 @@
           <p:nvPr>
             <p:extLst>
               <p:ext uri="{D42A27DB-BD31-4B8C-83A1-F6EECF244321}">
-                <p14:modId xmlns:p14="http://schemas.microsoft.com/office/powerpoint/2010/main" val="3416031665"/>
+                <p14:modId xmlns:p14="http://schemas.microsoft.com/office/powerpoint/2010/main" val="2565083599"/>
               </p:ext>
             </p:extLst>
           </p:nvPr>
